--- a/PrezentareBuck.pptx
+++ b/PrezentareBuck.pptx
@@ -10,7 +10,8 @@
     <p:sldId id="258" r:id="rId4"/>
     <p:sldId id="259" r:id="rId5"/>
     <p:sldId id="260" r:id="rId6"/>
-    <p:sldId id="261" r:id="rId7"/>
+    <p:sldId id="262" r:id="rId7"/>
+    <p:sldId id="261" r:id="rId8"/>
   </p:sldIdLst>
   <p:sldSz cx="12192000" cy="6858000"/>
   <p:notesSz cx="6858000" cy="9144000"/>
@@ -109,6 +110,11 @@
       </a:defRPr>
     </a:lvl9pPr>
   </p:defaultTextStyle>
+  <p:extLst>
+    <p:ext uri="{EFAFB233-063F-42B5-8137-9DF3F51BA10A}">
+      <p15:sldGuideLst xmlns:p15="http://schemas.microsoft.com/office/powerpoint/2012/main"/>
+    </p:ext>
+  </p:extLst>
 </p:presentation>
 </file>
 
@@ -386,7 +392,7 @@
           <a:p>
             <a:fld id="{69600B0C-2855-4B0A-BDF1-AE3F798F797C}" type="datetimeFigureOut">
               <a:rPr lang="en-US" smtClean="0"/>
-              <a:t>12/4/2022</a:t>
+              <a:t>12/5/2022</a:t>
             </a:fld>
             <a:endParaRPr lang="en-US"/>
           </a:p>
@@ -800,7 +806,7 @@
           <a:p>
             <a:fld id="{69600B0C-2855-4B0A-BDF1-AE3F798F797C}" type="datetimeFigureOut">
               <a:rPr lang="en-US" smtClean="0"/>
-              <a:t>12/4/2022</a:t>
+              <a:t>12/5/2022</a:t>
             </a:fld>
             <a:endParaRPr lang="en-US"/>
           </a:p>
@@ -1136,7 +1142,7 @@
           <a:p>
             <a:fld id="{69600B0C-2855-4B0A-BDF1-AE3F798F797C}" type="datetimeFigureOut">
               <a:rPr lang="en-US" smtClean="0"/>
-              <a:t>12/4/2022</a:t>
+              <a:t>12/5/2022</a:t>
             </a:fld>
             <a:endParaRPr lang="en-US"/>
           </a:p>
@@ -1541,7 +1547,7 @@
           <a:p>
             <a:fld id="{69600B0C-2855-4B0A-BDF1-AE3F798F797C}" type="datetimeFigureOut">
               <a:rPr lang="en-US" smtClean="0"/>
-              <a:t>12/4/2022</a:t>
+              <a:t>12/5/2022</a:t>
             </a:fld>
             <a:endParaRPr lang="en-US"/>
           </a:p>
@@ -2109,7 +2115,7 @@
           <a:p>
             <a:fld id="{69600B0C-2855-4B0A-BDF1-AE3F798F797C}" type="datetimeFigureOut">
               <a:rPr lang="en-US" smtClean="0"/>
-              <a:t>12/4/2022</a:t>
+              <a:t>12/5/2022</a:t>
             </a:fld>
             <a:endParaRPr lang="en-US"/>
           </a:p>
@@ -2790,7 +2796,7 @@
           <a:p>
             <a:fld id="{69600B0C-2855-4B0A-BDF1-AE3F798F797C}" type="datetimeFigureOut">
               <a:rPr lang="en-US" smtClean="0"/>
-              <a:t>12/4/2022</a:t>
+              <a:t>12/5/2022</a:t>
             </a:fld>
             <a:endParaRPr lang="en-US"/>
           </a:p>
@@ -3703,7 +3709,7 @@
           <a:p>
             <a:fld id="{69600B0C-2855-4B0A-BDF1-AE3F798F797C}" type="datetimeFigureOut">
               <a:rPr lang="en-US" smtClean="0"/>
-              <a:t>12/4/2022</a:t>
+              <a:t>12/5/2022</a:t>
             </a:fld>
             <a:endParaRPr lang="en-US"/>
           </a:p>
@@ -4016,7 +4022,7 @@
           <a:p>
             <a:fld id="{69600B0C-2855-4B0A-BDF1-AE3F798F797C}" type="datetimeFigureOut">
               <a:rPr lang="en-US" smtClean="0"/>
-              <a:t>12/4/2022</a:t>
+              <a:t>12/5/2022</a:t>
             </a:fld>
             <a:endParaRPr lang="en-US"/>
           </a:p>
@@ -4280,7 +4286,7 @@
           <a:p>
             <a:fld id="{69600B0C-2855-4B0A-BDF1-AE3F798F797C}" type="datetimeFigureOut">
               <a:rPr lang="en-US" smtClean="0"/>
-              <a:t>12/4/2022</a:t>
+              <a:t>12/5/2022</a:t>
             </a:fld>
             <a:endParaRPr lang="en-US"/>
           </a:p>
@@ -4603,7 +4609,7 @@
           <a:p>
             <a:fld id="{69600B0C-2855-4B0A-BDF1-AE3F798F797C}" type="datetimeFigureOut">
               <a:rPr lang="en-US" smtClean="0"/>
-              <a:t>12/4/2022</a:t>
+              <a:t>12/5/2022</a:t>
             </a:fld>
             <a:endParaRPr lang="en-US"/>
           </a:p>
@@ -4992,7 +4998,7 @@
           <a:p>
             <a:fld id="{69600B0C-2855-4B0A-BDF1-AE3F798F797C}" type="datetimeFigureOut">
               <a:rPr lang="en-US" smtClean="0"/>
-              <a:t>12/4/2022</a:t>
+              <a:t>12/5/2022</a:t>
             </a:fld>
             <a:endParaRPr lang="en-US"/>
           </a:p>
@@ -5368,7 +5374,7 @@
           <a:p>
             <a:fld id="{69600B0C-2855-4B0A-BDF1-AE3F798F797C}" type="datetimeFigureOut">
               <a:rPr lang="en-US" smtClean="0"/>
-              <a:t>12/4/2022</a:t>
+              <a:t>12/5/2022</a:t>
             </a:fld>
             <a:endParaRPr lang="en-US"/>
           </a:p>
@@ -5874,7 +5880,7 @@
           <a:p>
             <a:fld id="{69600B0C-2855-4B0A-BDF1-AE3F798F797C}" type="datetimeFigureOut">
               <a:rPr lang="en-US" smtClean="0"/>
-              <a:t>12/4/2022</a:t>
+              <a:t>12/5/2022</a:t>
             </a:fld>
             <a:endParaRPr lang="en-US"/>
           </a:p>
@@ -6131,7 +6137,7 @@
           <a:p>
             <a:fld id="{69600B0C-2855-4B0A-BDF1-AE3F798F797C}" type="datetimeFigureOut">
               <a:rPr lang="en-US" smtClean="0"/>
-              <a:t>12/4/2022</a:t>
+              <a:t>12/5/2022</a:t>
             </a:fld>
             <a:endParaRPr lang="en-US"/>
           </a:p>
@@ -6294,7 +6300,7 @@
           <a:p>
             <a:fld id="{69600B0C-2855-4B0A-BDF1-AE3F798F797C}" type="datetimeFigureOut">
               <a:rPr lang="en-US" smtClean="0"/>
-              <a:t>12/4/2022</a:t>
+              <a:t>12/5/2022</a:t>
             </a:fld>
             <a:endParaRPr lang="en-US"/>
           </a:p>
@@ -6684,7 +6690,7 @@
           <a:p>
             <a:fld id="{69600B0C-2855-4B0A-BDF1-AE3F798F797C}" type="datetimeFigureOut">
               <a:rPr lang="en-US" smtClean="0"/>
-              <a:t>12/4/2022</a:t>
+              <a:t>12/5/2022</a:t>
             </a:fld>
             <a:endParaRPr lang="en-US"/>
           </a:p>
@@ -7093,7 +7099,7 @@
           <a:p>
             <a:fld id="{69600B0C-2855-4B0A-BDF1-AE3F798F797C}" type="datetimeFigureOut">
               <a:rPr lang="en-US" smtClean="0"/>
-              <a:t>12/4/2022</a:t>
+              <a:t>12/5/2022</a:t>
             </a:fld>
             <a:endParaRPr lang="en-US"/>
           </a:p>
@@ -7337,7 +7343,7 @@
           <a:p>
             <a:fld id="{69600B0C-2855-4B0A-BDF1-AE3F798F797C}" type="datetimeFigureOut">
               <a:rPr lang="en-US" smtClean="0"/>
-              <a:t>12/4/2022</a:t>
+              <a:t>12/5/2022</a:t>
             </a:fld>
             <a:endParaRPr lang="en-US"/>
           </a:p>
@@ -9462,6 +9468,228 @@
           <p:cNvPr id="2" name="Title 1">
             <a:extLst>
               <a:ext uri="{FF2B5EF4-FFF2-40B4-BE49-F238E27FC236}">
+                <a16:creationId xmlns:a16="http://schemas.microsoft.com/office/drawing/2014/main" id="{6090368D-5C2B-4519-9740-FB1C5EE01A86}"/>
+              </a:ext>
+            </a:extLst>
+          </p:cNvPr>
+          <p:cNvSpPr>
+            <a:spLocks noGrp="1"/>
+          </p:cNvSpPr>
+          <p:nvPr>
+            <p:ph type="title"/>
+          </p:nvPr>
+        </p:nvSpPr>
+        <p:spPr/>
+        <p:txBody>
+          <a:bodyPr>
+            <a:normAutofit/>
+          </a:bodyPr>
+          <a:lstStyle/>
+          <a:p>
+            <a:r>
+              <a:rPr lang="en-US" sz="4400" dirty="0" err="1">
+                <a:latin typeface="Times New Roman" panose="02020603050405020304" pitchFamily="18" charset="0"/>
+                <a:cs typeface="Times New Roman" panose="02020603050405020304" pitchFamily="18" charset="0"/>
+              </a:rPr>
+              <a:t>Rezultate</a:t>
+            </a:r>
+            <a:r>
+              <a:rPr lang="en-US" sz="4400" dirty="0">
+                <a:latin typeface="Times New Roman" panose="02020603050405020304" pitchFamily="18" charset="0"/>
+                <a:cs typeface="Times New Roman" panose="02020603050405020304" pitchFamily="18" charset="0"/>
+              </a:rPr>
+              <a:t>:</a:t>
+            </a:r>
+          </a:p>
+        </p:txBody>
+      </p:sp>
+      <p:pic>
+        <p:nvPicPr>
+          <p:cNvPr id="4" name="Content Placeholder 3">
+            <a:extLst>
+              <a:ext uri="{FF2B5EF4-FFF2-40B4-BE49-F238E27FC236}">
+                <a16:creationId xmlns:a16="http://schemas.microsoft.com/office/drawing/2014/main" id="{33C2943A-C24B-4DDE-804D-83FDEEF22A26}"/>
+              </a:ext>
+            </a:extLst>
+          </p:cNvPr>
+          <p:cNvPicPr>
+            <a:picLocks noGrp="1" noChangeAspect="1"/>
+          </p:cNvPicPr>
+          <p:nvPr>
+            <p:ph idx="1"/>
+          </p:nvPr>
+        </p:nvPicPr>
+        <p:blipFill>
+          <a:blip r:embed="rId2"/>
+          <a:stretch>
+            <a:fillRect/>
+          </a:stretch>
+        </p:blipFill>
+        <p:spPr>
+          <a:xfrm>
+            <a:off x="0" y="2121236"/>
+            <a:ext cx="5943600" cy="1191840"/>
+          </a:xfrm>
+          <a:prstGeom prst="rect">
+            <a:avLst/>
+          </a:prstGeom>
+        </p:spPr>
+      </p:pic>
+      <p:pic>
+        <p:nvPicPr>
+          <p:cNvPr id="5" name="Picture 4">
+            <a:extLst>
+              <a:ext uri="{FF2B5EF4-FFF2-40B4-BE49-F238E27FC236}">
+                <a16:creationId xmlns:a16="http://schemas.microsoft.com/office/drawing/2014/main" id="{B042C77E-AE1F-477E-BBBF-91BF24AC840D}"/>
+              </a:ext>
+            </a:extLst>
+          </p:cNvPr>
+          <p:cNvPicPr>
+            <a:picLocks noChangeAspect="1"/>
+          </p:cNvPicPr>
+          <p:nvPr/>
+        </p:nvPicPr>
+        <p:blipFill>
+          <a:blip r:embed="rId3"/>
+          <a:stretch>
+            <a:fillRect/>
+          </a:stretch>
+        </p:blipFill>
+        <p:spPr>
+          <a:xfrm>
+            <a:off x="0" y="3544925"/>
+            <a:ext cx="5943600" cy="1179830"/>
+          </a:xfrm>
+          <a:prstGeom prst="rect">
+            <a:avLst/>
+          </a:prstGeom>
+        </p:spPr>
+      </p:pic>
+      <p:pic>
+        <p:nvPicPr>
+          <p:cNvPr id="6" name="Picture 5">
+            <a:extLst>
+              <a:ext uri="{FF2B5EF4-FFF2-40B4-BE49-F238E27FC236}">
+                <a16:creationId xmlns:a16="http://schemas.microsoft.com/office/drawing/2014/main" id="{0BF7A47E-710A-4367-BD87-7A1E8C6DC174}"/>
+              </a:ext>
+            </a:extLst>
+          </p:cNvPr>
+          <p:cNvPicPr>
+            <a:picLocks noChangeAspect="1"/>
+          </p:cNvPicPr>
+          <p:nvPr/>
+        </p:nvPicPr>
+        <p:blipFill>
+          <a:blip r:embed="rId4"/>
+          <a:stretch>
+            <a:fillRect/>
+          </a:stretch>
+        </p:blipFill>
+        <p:spPr>
+          <a:xfrm>
+            <a:off x="0" y="5023835"/>
+            <a:ext cx="5943600" cy="1205230"/>
+          </a:xfrm>
+          <a:prstGeom prst="rect">
+            <a:avLst/>
+          </a:prstGeom>
+        </p:spPr>
+      </p:pic>
+      <p:pic>
+        <p:nvPicPr>
+          <p:cNvPr id="7" name="Picture 6">
+            <a:extLst>
+              <a:ext uri="{FF2B5EF4-FFF2-40B4-BE49-F238E27FC236}">
+                <a16:creationId xmlns:a16="http://schemas.microsoft.com/office/drawing/2014/main" id="{B1386FD4-C7CF-4C6F-900F-0BD68C6C78B6}"/>
+              </a:ext>
+            </a:extLst>
+          </p:cNvPr>
+          <p:cNvPicPr>
+            <a:picLocks noChangeAspect="1"/>
+          </p:cNvPicPr>
+          <p:nvPr/>
+        </p:nvPicPr>
+        <p:blipFill>
+          <a:blip r:embed="rId5"/>
+          <a:stretch>
+            <a:fillRect/>
+          </a:stretch>
+        </p:blipFill>
+        <p:spPr>
+          <a:xfrm>
+            <a:off x="6248402" y="2172043"/>
+            <a:ext cx="5943600" cy="1169035"/>
+          </a:xfrm>
+          <a:prstGeom prst="rect">
+            <a:avLst/>
+          </a:prstGeom>
+        </p:spPr>
+      </p:pic>
+      <p:pic>
+        <p:nvPicPr>
+          <p:cNvPr id="8" name="Picture 7">
+            <a:extLst>
+              <a:ext uri="{FF2B5EF4-FFF2-40B4-BE49-F238E27FC236}">
+                <a16:creationId xmlns:a16="http://schemas.microsoft.com/office/drawing/2014/main" id="{83965188-2942-4E93-89F1-452E853EDD82}"/>
+              </a:ext>
+            </a:extLst>
+          </p:cNvPr>
+          <p:cNvPicPr>
+            <a:picLocks noChangeAspect="1"/>
+          </p:cNvPicPr>
+          <p:nvPr/>
+        </p:nvPicPr>
+        <p:blipFill>
+          <a:blip r:embed="rId6"/>
+          <a:stretch>
+            <a:fillRect/>
+          </a:stretch>
+        </p:blipFill>
+        <p:spPr>
+          <a:xfrm>
+            <a:off x="6248402" y="3538278"/>
+            <a:ext cx="5943600" cy="1160780"/>
+          </a:xfrm>
+          <a:prstGeom prst="rect">
+            <a:avLst/>
+          </a:prstGeom>
+        </p:spPr>
+      </p:pic>
+    </p:spTree>
+    <p:extLst>
+      <p:ext uri="{BB962C8B-B14F-4D97-AF65-F5344CB8AC3E}">
+        <p14:creationId xmlns:p14="http://schemas.microsoft.com/office/powerpoint/2010/main" val="2857909765"/>
+      </p:ext>
+    </p:extLst>
+  </p:cSld>
+  <p:clrMapOvr>
+    <a:masterClrMapping/>
+  </p:clrMapOvr>
+</p:sld>
+</file>
+
+<file path=ppt/slides/slide7.xml><?xml version="1.0" encoding="utf-8"?>
+<p:sld xmlns:a="http://schemas.openxmlformats.org/drawingml/2006/main" xmlns:r="http://schemas.openxmlformats.org/officeDocument/2006/relationships" xmlns:p="http://schemas.openxmlformats.org/presentationml/2006/main">
+  <p:cSld>
+    <p:spTree>
+      <p:nvGrpSpPr>
+        <p:cNvPr id="1" name=""/>
+        <p:cNvGrpSpPr/>
+        <p:nvPr/>
+      </p:nvGrpSpPr>
+      <p:grpSpPr>
+        <a:xfrm>
+          <a:off x="0" y="0"/>
+          <a:ext cx="0" cy="0"/>
+          <a:chOff x="0" y="0"/>
+          <a:chExt cx="0" cy="0"/>
+        </a:xfrm>
+      </p:grpSpPr>
+      <p:sp>
+        <p:nvSpPr>
+          <p:cNvPr id="2" name="Title 1">
+            <a:extLst>
+              <a:ext uri="{FF2B5EF4-FFF2-40B4-BE49-F238E27FC236}">
                 <a16:creationId xmlns:a16="http://schemas.microsoft.com/office/drawing/2014/main" id="{5A66A77A-13CD-4CF7-828A-9F09A073152B}"/>
               </a:ext>
             </a:extLst>
